--- a/Report/Week 1 ToDo.pptx
+++ b/Report/Week 1 ToDo.pptx
@@ -7,6 +7,7 @@
   <p:sldIdLst>
     <p:sldId id="256" r:id="rId2"/>
     <p:sldId id="257" r:id="rId3"/>
+    <p:sldId id="258" r:id="rId4"/>
   </p:sldIdLst>
   <p:sldSz cx="12192000" cy="6858000"/>
   <p:notesSz cx="6858000" cy="9144000"/>
@@ -105,6 +106,11 @@
       </a:defRPr>
     </a:lvl9pPr>
   </p:defaultTextStyle>
+  <p:extLst>
+    <p:ext uri="{EFAFB233-063F-42B5-8137-9DF3F51BA10A}">
+      <p15:sldGuideLst xmlns:p15="http://schemas.microsoft.com/office/powerpoint/2012/main"/>
+    </p:ext>
+  </p:extLst>
 </p:presentation>
 </file>
 
@@ -3544,6 +3550,199 @@
 </p:sld>
 </file>
 
+<file path=ppt/slides/slide3.xml><?xml version="1.0" encoding="utf-8"?>
+<p:sld xmlns:a="http://schemas.openxmlformats.org/drawingml/2006/main" xmlns:r="http://schemas.openxmlformats.org/officeDocument/2006/relationships" xmlns:p="http://schemas.openxmlformats.org/presentationml/2006/main">
+  <p:cSld>
+    <p:spTree>
+      <p:nvGrpSpPr>
+        <p:cNvPr id="1" name=""/>
+        <p:cNvGrpSpPr/>
+        <p:nvPr/>
+      </p:nvGrpSpPr>
+      <p:grpSpPr>
+        <a:xfrm>
+          <a:off x="0" y="0"/>
+          <a:ext cx="0" cy="0"/>
+          <a:chOff x="0" y="0"/>
+          <a:chExt cx="0" cy="0"/>
+        </a:xfrm>
+      </p:grpSpPr>
+      <p:sp>
+        <p:nvSpPr>
+          <p:cNvPr id="2" name="Title 1">
+            <a:extLst>
+              <a:ext uri="{FF2B5EF4-FFF2-40B4-BE49-F238E27FC236}">
+                <a16:creationId xmlns:a16="http://schemas.microsoft.com/office/drawing/2014/main" id="{57C56572-8411-909A-F7F0-1142D771F7C1}"/>
+              </a:ext>
+            </a:extLst>
+          </p:cNvPr>
+          <p:cNvSpPr>
+            <a:spLocks noGrp="1"/>
+          </p:cNvSpPr>
+          <p:nvPr>
+            <p:ph type="title"/>
+          </p:nvPr>
+        </p:nvSpPr>
+        <p:spPr/>
+        <p:txBody>
+          <a:bodyPr/>
+          <a:lstStyle/>
+          <a:p>
+            <a:r>
+              <a:rPr lang="en-US" dirty="0"/>
+              <a:t>Nikita -  Out of threshold </a:t>
+            </a:r>
+            <a:endParaRPr lang="ru-RU" dirty="0"/>
+          </a:p>
+        </p:txBody>
+      </p:sp>
+      <p:sp>
+        <p:nvSpPr>
+          <p:cNvPr id="3" name="Content Placeholder 2">
+            <a:extLst>
+              <a:ext uri="{FF2B5EF4-FFF2-40B4-BE49-F238E27FC236}">
+                <a16:creationId xmlns:a16="http://schemas.microsoft.com/office/drawing/2014/main" id="{42857768-6F36-CA23-CB11-AB5E49DCAB87}"/>
+              </a:ext>
+            </a:extLst>
+          </p:cNvPr>
+          <p:cNvSpPr>
+            <a:spLocks noGrp="1"/>
+          </p:cNvSpPr>
+          <p:nvPr>
+            <p:ph idx="1"/>
+          </p:nvPr>
+        </p:nvSpPr>
+        <p:spPr/>
+        <p:txBody>
+          <a:bodyPr>
+            <a:normAutofit/>
+          </a:bodyPr>
+          <a:lstStyle/>
+          <a:p>
+            <a:r>
+              <a:rPr lang="en-US" dirty="0"/>
+              <a:t>All WHERE </a:t>
+            </a:r>
+            <a:r>
+              <a:rPr lang="en-US" i="1" dirty="0"/>
+              <a:t>threshold exceeded = 1 </a:t>
+            </a:r>
+            <a:r>
+              <a:rPr lang="en-US" b="1" dirty="0"/>
+              <a:t>ABER </a:t>
+            </a:r>
+            <a:r>
+              <a:rPr lang="en-US" dirty="0"/>
+              <a:t>SN1 </a:t>
+            </a:r>
+            <a:r>
+              <a:rPr lang="en-US" dirty="0" err="1"/>
+              <a:t>oder</a:t>
+            </a:r>
+            <a:r>
+              <a:rPr lang="en-US" dirty="0"/>
+              <a:t> SN2 </a:t>
+            </a:r>
+            <a:r>
+              <a:rPr lang="en-US" dirty="0" err="1"/>
+              <a:t>besitzt</a:t>
+            </a:r>
+            <a:r>
+              <a:rPr lang="en-US" i="1" dirty="0"/>
+              <a:t> </a:t>
+            </a:r>
+            <a:r>
+              <a:rPr lang="de-DE" i="1" dirty="0"/>
+              <a:t>nur </a:t>
+            </a:r>
+            <a:r>
+              <a:rPr lang="en-US" i="1" dirty="0" err="1"/>
+              <a:t>realistische</a:t>
+            </a:r>
+            <a:r>
+              <a:rPr lang="en-US" i="1" dirty="0"/>
+              <a:t> </a:t>
+            </a:r>
+            <a:r>
+              <a:rPr lang="en-US" i="1" dirty="0" err="1"/>
+              <a:t>Werte</a:t>
+            </a:r>
+            <a:r>
+              <a:rPr lang="en-US" i="1" dirty="0"/>
+              <a:t>,</a:t>
+            </a:r>
+            <a:r>
+              <a:rPr lang="en-US" dirty="0"/>
+              <a:t> </a:t>
+            </a:r>
+            <a:r>
+              <a:rPr lang="en-US" i="1" dirty="0"/>
+              <a:t>Not ok</a:t>
+            </a:r>
+            <a:r>
+              <a:rPr lang="en-US" dirty="0"/>
+              <a:t> = 0. (Sample 792)</a:t>
+            </a:r>
+          </a:p>
+          <a:p>
+            <a:r>
+              <a:rPr lang="en-US" dirty="0"/>
+              <a:t>All WHERE </a:t>
+            </a:r>
+            <a:r>
+              <a:rPr lang="en-US" i="1" dirty="0"/>
+              <a:t>threshold exceeded = 1 </a:t>
+            </a:r>
+            <a:r>
+              <a:rPr lang="en-US" b="1" dirty="0"/>
+              <a:t>UND</a:t>
+            </a:r>
+            <a:r>
+              <a:rPr lang="en-US" i="1" dirty="0"/>
+              <a:t> </a:t>
+            </a:r>
+            <a:r>
+              <a:rPr lang="en-US" dirty="0"/>
+              <a:t>SN1 und SN2 </a:t>
+            </a:r>
+            <a:r>
+              <a:rPr lang="en-US" dirty="0" err="1"/>
+              <a:t>besitzt</a:t>
+            </a:r>
+            <a:r>
+              <a:rPr lang="en-US" i="1" dirty="0"/>
+              <a:t> 1er, </a:t>
+            </a:r>
+            <a:br>
+              <a:rPr lang="en-US" i="1" dirty="0"/>
+            </a:br>
+            <a:r>
+              <a:rPr lang="en-US" i="1" dirty="0"/>
+              <a:t>Not ok</a:t>
+            </a:r>
+            <a:r>
+              <a:rPr lang="en-US" dirty="0"/>
+              <a:t> = 0. (Example 709)</a:t>
+            </a:r>
+          </a:p>
+          <a:p>
+            <a:endParaRPr lang="en-US" dirty="0"/>
+          </a:p>
+        </p:txBody>
+      </p:sp>
+    </p:spTree>
+    <p:extLst>
+      <p:ext uri="{BB962C8B-B14F-4D97-AF65-F5344CB8AC3E}">
+        <p14:creationId xmlns:p14="http://schemas.microsoft.com/office/powerpoint/2010/main" val="907751218"/>
+      </p:ext>
+    </p:extLst>
+  </p:cSld>
+  <p:clrMapOvr>
+    <a:masterClrMapping/>
+  </p:clrMapOvr>
+</p:sld>
+</file>
+
 <file path=ppt/theme/theme1.xml><?xml version="1.0" encoding="utf-8"?>
 <a:theme xmlns:a="http://schemas.openxmlformats.org/drawingml/2006/main" name="Office Theme">
   <a:themeElements>

--- a/Report/Week 1 ToDo.pptx
+++ b/Report/Week 1 ToDo.pptx
@@ -261,7 +261,7 @@
           <a:p>
             <a:fld id="{8241CE7E-0F34-401D-A57E-323A74DBF7F2}" type="datetimeFigureOut">
               <a:rPr lang="en-US" smtClean="0"/>
-              <a:t>6/29/2022</a:t>
+              <a:t>6/30/2022</a:t>
             </a:fld>
             <a:endParaRPr lang="en-US"/>
           </a:p>
@@ -459,7 +459,7 @@
           <a:p>
             <a:fld id="{8241CE7E-0F34-401D-A57E-323A74DBF7F2}" type="datetimeFigureOut">
               <a:rPr lang="en-US" smtClean="0"/>
-              <a:t>6/29/2022</a:t>
+              <a:t>6/30/2022</a:t>
             </a:fld>
             <a:endParaRPr lang="en-US"/>
           </a:p>
@@ -667,7 +667,7 @@
           <a:p>
             <a:fld id="{8241CE7E-0F34-401D-A57E-323A74DBF7F2}" type="datetimeFigureOut">
               <a:rPr lang="en-US" smtClean="0"/>
-              <a:t>6/29/2022</a:t>
+              <a:t>6/30/2022</a:t>
             </a:fld>
             <a:endParaRPr lang="en-US"/>
           </a:p>
@@ -865,7 +865,7 @@
           <a:p>
             <a:fld id="{8241CE7E-0F34-401D-A57E-323A74DBF7F2}" type="datetimeFigureOut">
               <a:rPr lang="en-US" smtClean="0"/>
-              <a:t>6/29/2022</a:t>
+              <a:t>6/30/2022</a:t>
             </a:fld>
             <a:endParaRPr lang="en-US"/>
           </a:p>
@@ -1140,7 +1140,7 @@
           <a:p>
             <a:fld id="{8241CE7E-0F34-401D-A57E-323A74DBF7F2}" type="datetimeFigureOut">
               <a:rPr lang="en-US" smtClean="0"/>
-              <a:t>6/29/2022</a:t>
+              <a:t>6/30/2022</a:t>
             </a:fld>
             <a:endParaRPr lang="en-US"/>
           </a:p>
@@ -1405,7 +1405,7 @@
           <a:p>
             <a:fld id="{8241CE7E-0F34-401D-A57E-323A74DBF7F2}" type="datetimeFigureOut">
               <a:rPr lang="en-US" smtClean="0"/>
-              <a:t>6/29/2022</a:t>
+              <a:t>6/30/2022</a:t>
             </a:fld>
             <a:endParaRPr lang="en-US"/>
           </a:p>
@@ -1817,7 +1817,7 @@
           <a:p>
             <a:fld id="{8241CE7E-0F34-401D-A57E-323A74DBF7F2}" type="datetimeFigureOut">
               <a:rPr lang="en-US" smtClean="0"/>
-              <a:t>6/29/2022</a:t>
+              <a:t>6/30/2022</a:t>
             </a:fld>
             <a:endParaRPr lang="en-US"/>
           </a:p>
@@ -1958,7 +1958,7 @@
           <a:p>
             <a:fld id="{8241CE7E-0F34-401D-A57E-323A74DBF7F2}" type="datetimeFigureOut">
               <a:rPr lang="en-US" smtClean="0"/>
-              <a:t>6/29/2022</a:t>
+              <a:t>6/30/2022</a:t>
             </a:fld>
             <a:endParaRPr lang="en-US"/>
           </a:p>
@@ -2071,7 +2071,7 @@
           <a:p>
             <a:fld id="{8241CE7E-0F34-401D-A57E-323A74DBF7F2}" type="datetimeFigureOut">
               <a:rPr lang="en-US" smtClean="0"/>
-              <a:t>6/29/2022</a:t>
+              <a:t>6/30/2022</a:t>
             </a:fld>
             <a:endParaRPr lang="en-US"/>
           </a:p>
@@ -2382,7 +2382,7 @@
           <a:p>
             <a:fld id="{8241CE7E-0F34-401D-A57E-323A74DBF7F2}" type="datetimeFigureOut">
               <a:rPr lang="en-US" smtClean="0"/>
-              <a:t>6/29/2022</a:t>
+              <a:t>6/30/2022</a:t>
             </a:fld>
             <a:endParaRPr lang="en-US"/>
           </a:p>
@@ -2670,7 +2670,7 @@
           <a:p>
             <a:fld id="{8241CE7E-0F34-401D-A57E-323A74DBF7F2}" type="datetimeFigureOut">
               <a:rPr lang="en-US" smtClean="0"/>
-              <a:t>6/29/2022</a:t>
+              <a:t>6/30/2022</a:t>
             </a:fld>
             <a:endParaRPr lang="en-US"/>
           </a:p>
@@ -2911,7 +2911,7 @@
           <a:p>
             <a:fld id="{8241CE7E-0F34-401D-A57E-323A74DBF7F2}" type="datetimeFigureOut">
               <a:rPr lang="en-US" smtClean="0"/>
-              <a:t>6/29/2022</a:t>
+              <a:t>6/30/2022</a:t>
             </a:fld>
             <a:endParaRPr lang="en-US"/>
           </a:p>
@@ -3612,7 +3612,12 @@
             <p:ph idx="1"/>
           </p:nvPr>
         </p:nvSpPr>
-        <p:spPr/>
+        <p:spPr>
+          <a:xfrm>
+            <a:off x="838200" y="1825624"/>
+            <a:ext cx="10515600" cy="5032375"/>
+          </a:xfrm>
+        </p:spPr>
         <p:txBody>
           <a:bodyPr>
             <a:normAutofit/>
@@ -3645,73 +3650,109 @@
             </a:r>
             <a:r>
               <a:rPr lang="en-US" dirty="0" err="1"/>
-              <a:t>besitzt</a:t>
+              <a:t>weist</a:t>
+            </a:r>
+            <a:r>
+              <a:rPr lang="en-US" dirty="0"/>
+              <a:t> </a:t>
+            </a:r>
+            <a:r>
+              <a:rPr lang="en-US" dirty="0" err="1"/>
+              <a:t>nur</a:t>
+            </a:r>
+            <a:r>
+              <a:rPr lang="en-US" dirty="0"/>
+              <a:t> </a:t>
+            </a:r>
+            <a:r>
+              <a:rPr lang="en-US" i="1" dirty="0"/>
+              <a:t>plausible </a:t>
+            </a:r>
+            <a:r>
+              <a:rPr lang="en-US" i="1" dirty="0" err="1"/>
+              <a:t>Werte</a:t>
             </a:r>
             <a:r>
               <a:rPr lang="en-US" i="1" dirty="0"/>
               <a:t> </a:t>
             </a:r>
             <a:r>
-              <a:rPr lang="de-DE" i="1" dirty="0"/>
-              <a:t>nur </a:t>
-            </a:r>
-            <a:r>
               <a:rPr lang="en-US" i="1" dirty="0" err="1"/>
-              <a:t>realistische</a:t>
+              <a:t>unter</a:t>
+            </a:r>
+            <a:r>
+              <a:rPr lang="en-US" i="1" dirty="0"/>
+              <a:t> dem </a:t>
+            </a:r>
+            <a:r>
+              <a:rPr lang="en-US" i="1" dirty="0" err="1"/>
+              <a:t>Schwellwert</a:t>
+            </a:r>
+            <a:r>
+              <a:rPr lang="en-US" i="1" dirty="0"/>
+              <a:t>, Not ok</a:t>
+            </a:r>
+            <a:r>
+              <a:rPr lang="en-US" dirty="0"/>
+              <a:t> = 0. (Sample 792)</a:t>
+            </a:r>
+          </a:p>
+          <a:p>
+            <a:r>
+              <a:rPr lang="en-US" dirty="0"/>
+              <a:t>All WHERE </a:t>
+            </a:r>
+            <a:r>
+              <a:rPr lang="en-US" i="1" dirty="0"/>
+              <a:t>threshold exceeded = 1 </a:t>
+            </a:r>
+            <a:r>
+              <a:rPr lang="en-US" b="1" dirty="0"/>
+              <a:t>UND</a:t>
             </a:r>
             <a:r>
               <a:rPr lang="en-US" i="1" dirty="0"/>
               <a:t> </a:t>
             </a:r>
             <a:r>
-              <a:rPr lang="en-US" i="1" dirty="0" err="1"/>
-              <a:t>Werte</a:t>
-            </a:r>
-            <a:r>
-              <a:rPr lang="en-US" i="1" dirty="0"/>
-              <a:t>,</a:t>
+              <a:rPr lang="en-US" dirty="0"/>
+              <a:t>SN1 und SN2 </a:t>
+            </a:r>
+            <a:r>
+              <a:rPr lang="en-US" dirty="0" err="1"/>
+              <a:t>über</a:t>
             </a:r>
             <a:r>
               <a:rPr lang="en-US" dirty="0"/>
               <a:t> </a:t>
             </a:r>
             <a:r>
-              <a:rPr lang="en-US" i="1" dirty="0"/>
-              <a:t>Not ok</a:t>
+              <a:rPr lang="en-US" dirty="0" err="1"/>
+              <a:t>einem</a:t>
             </a:r>
             <a:r>
               <a:rPr lang="en-US" dirty="0"/>
-              <a:t> = 0. (Sample 792)</a:t>
-            </a:r>
-          </a:p>
-          <a:p>
+              <a:t> </a:t>
+            </a:r>
+            <a:r>
+              <a:rPr lang="en-US" dirty="0" err="1"/>
+              <a:t>Schwellwert</a:t>
+            </a:r>
+            <a:r>
+              <a:rPr lang="ru-RU" dirty="0"/>
+              <a:t>*</a:t>
+            </a:r>
             <a:r>
               <a:rPr lang="en-US" dirty="0"/>
-              <a:t>All WHERE </a:t>
-            </a:r>
-            <a:r>
-              <a:rPr lang="en-US" i="1" dirty="0"/>
-              <a:t>threshold exceeded = 1 </a:t>
-            </a:r>
-            <a:r>
-              <a:rPr lang="en-US" b="1" dirty="0"/>
-              <a:t>UND</a:t>
-            </a:r>
-            <a:r>
-              <a:rPr lang="en-US" i="1" dirty="0"/>
               <a:t> </a:t>
             </a:r>
             <a:r>
+              <a:rPr lang="en-US" dirty="0" err="1"/>
+              <a:t>liegt</a:t>
+            </a:r>
+            <a:r>
               <a:rPr lang="en-US" dirty="0"/>
-              <a:t>SN1 und SN2 </a:t>
-            </a:r>
-            <a:r>
-              <a:rPr lang="en-US" dirty="0" err="1"/>
-              <a:t>besitzt</a:t>
-            </a:r>
-            <a:r>
-              <a:rPr lang="en-US" i="1" dirty="0"/>
-              <a:t> 1er, </a:t>
+              <a:t>. </a:t>
             </a:r>
             <a:br>
               <a:rPr lang="en-US" i="1" dirty="0"/>
@@ -3726,6 +3767,224 @@
             </a:r>
           </a:p>
           <a:p>
+            <a:endParaRPr lang="en-US" dirty="0"/>
+          </a:p>
+          <a:p>
+            <a:pPr lvl="1"/>
+            <a:r>
+              <a:rPr lang="en-US" dirty="0"/>
+              <a:t>=&gt; </a:t>
+            </a:r>
+            <a:r>
+              <a:rPr lang="en-US" dirty="0" err="1"/>
+              <a:t>Wenn</a:t>
+            </a:r>
+            <a:r>
+              <a:rPr lang="en-US" dirty="0"/>
+              <a:t> </a:t>
+            </a:r>
+            <a:r>
+              <a:rPr lang="en-US" dirty="0" err="1"/>
+              <a:t>mindestens</a:t>
+            </a:r>
+            <a:r>
+              <a:rPr lang="en-US" dirty="0"/>
+              <a:t> </a:t>
+            </a:r>
+            <a:r>
+              <a:rPr lang="en-US" dirty="0" err="1"/>
+              <a:t>ein</a:t>
+            </a:r>
+            <a:r>
+              <a:rPr lang="en-US" dirty="0"/>
+              <a:t> </a:t>
+            </a:r>
+            <a:r>
+              <a:rPr lang="en-US" dirty="0" err="1"/>
+              <a:t>Signalwert</a:t>
+            </a:r>
+            <a:r>
+              <a:rPr lang="en-US" dirty="0"/>
+              <a:t> </a:t>
+            </a:r>
+            <a:r>
+              <a:rPr lang="de-DE" dirty="0"/>
+              <a:t>über einem Schwellwert</a:t>
+            </a:r>
+            <a:r>
+              <a:rPr lang="ru-RU" dirty="0"/>
+              <a:t>*</a:t>
+            </a:r>
+            <a:r>
+              <a:rPr lang="de-DE" dirty="0"/>
+              <a:t> liegt, wird die Schweißnaht</a:t>
+            </a:r>
+            <a:r>
+              <a:rPr lang="en-US" dirty="0"/>
+              <a:t> </a:t>
+            </a:r>
+            <a:r>
+              <a:rPr lang="en-US" dirty="0" err="1"/>
+              <a:t>zur</a:t>
+            </a:r>
+            <a:r>
+              <a:rPr lang="en-US" dirty="0"/>
+              <a:t> </a:t>
+            </a:r>
+            <a:r>
+              <a:rPr lang="en-US" dirty="0" err="1"/>
+              <a:t>Klasse</a:t>
+            </a:r>
+            <a:r>
+              <a:rPr lang="en-US" dirty="0"/>
+              <a:t> </a:t>
+            </a:r>
+            <a:r>
+              <a:rPr lang="en-US" i="1" dirty="0"/>
+              <a:t>Out of threshold </a:t>
+            </a:r>
+            <a:r>
+              <a:rPr lang="en-US" dirty="0" err="1"/>
+              <a:t>klassifiziert</a:t>
+            </a:r>
+            <a:r>
+              <a:rPr lang="en-US" dirty="0"/>
+              <a:t> und </a:t>
+            </a:r>
+            <a:r>
+              <a:rPr lang="en-US" dirty="0" err="1"/>
+              <a:t>zwar</a:t>
+            </a:r>
+            <a:r>
+              <a:rPr lang="en-US" dirty="0"/>
+              <a:t> egal </a:t>
+            </a:r>
+            <a:r>
+              <a:rPr lang="en-US" dirty="0" err="1"/>
+              <a:t>vom</a:t>
+            </a:r>
+            <a:r>
+              <a:rPr lang="en-US" dirty="0"/>
+              <a:t> </a:t>
+            </a:r>
+            <a:r>
+              <a:rPr lang="en-US" dirty="0" err="1"/>
+              <a:t>welchen</a:t>
+            </a:r>
+            <a:r>
+              <a:rPr lang="en-US" dirty="0"/>
+              <a:t> Sensor, </a:t>
+            </a:r>
+            <a:r>
+              <a:rPr lang="en-US" dirty="0" err="1"/>
+              <a:t>sprich</a:t>
+            </a:r>
+            <a:r>
+              <a:rPr lang="en-US" dirty="0"/>
+              <a:t> </a:t>
+            </a:r>
+            <a:r>
+              <a:rPr lang="en-US" i="1" dirty="0"/>
+              <a:t>OK </a:t>
+            </a:r>
+            <a:r>
+              <a:rPr lang="en-US" dirty="0" err="1"/>
+              <a:t>oder</a:t>
+            </a:r>
+            <a:r>
+              <a:rPr lang="en-US" i="1" dirty="0"/>
+              <a:t> Not Ok </a:t>
+            </a:r>
+            <a:r>
+              <a:rPr lang="en-US" dirty="0" err="1"/>
+              <a:t>wird</a:t>
+            </a:r>
+            <a:r>
+              <a:rPr lang="en-US" dirty="0"/>
+              <a:t> gar </a:t>
+            </a:r>
+            <a:r>
+              <a:rPr lang="en-US" dirty="0" err="1"/>
+              <a:t>nicht</a:t>
+            </a:r>
+            <a:r>
+              <a:rPr lang="en-US" dirty="0"/>
+              <a:t> </a:t>
+            </a:r>
+            <a:r>
+              <a:rPr lang="en-US" dirty="0" err="1"/>
+              <a:t>weiter</a:t>
+            </a:r>
+            <a:r>
+              <a:rPr lang="en-US" dirty="0"/>
+              <a:t> </a:t>
+            </a:r>
+            <a:r>
+              <a:rPr lang="en-US" dirty="0" err="1"/>
+              <a:t>betrachtet</a:t>
+            </a:r>
+            <a:r>
+              <a:rPr lang="en-US" dirty="0"/>
+              <a:t>. </a:t>
+            </a:r>
+          </a:p>
+          <a:p>
+            <a:pPr lvl="3">
+              <a:buFont typeface="Symbol" panose="05050102010706020507" pitchFamily="18" charset="2"/>
+              <a:buChar char="Þ"/>
+            </a:pPr>
+            <a:r>
+              <a:rPr lang="de-DE" dirty="0"/>
+              <a:t>es wird eher 1 Klassifizierungsmodell gebraucht mit 3 möglichen Outputs.</a:t>
+            </a:r>
+            <a:endParaRPr lang="ru-RU" dirty="0"/>
+          </a:p>
+          <a:p>
+            <a:pPr marL="1828800" lvl="4" indent="0">
+              <a:buNone/>
+            </a:pPr>
+            <a:r>
+              <a:rPr lang="ru-RU" dirty="0"/>
+              <a:t>			</a:t>
+            </a:r>
+            <a:endParaRPr lang="en-US" dirty="0"/>
+          </a:p>
+          <a:p>
+            <a:pPr marL="0" indent="0">
+              <a:buNone/>
+            </a:pPr>
+            <a:r>
+              <a:rPr lang="ru-RU" dirty="0"/>
+              <a:t>						</a:t>
+            </a:r>
+            <a:r>
+              <a:rPr lang="en-US" dirty="0"/>
+              <a:t>		</a:t>
+            </a:r>
+            <a:r>
+              <a:rPr lang="ru-RU" sz="1800" dirty="0"/>
+              <a:t>*</a:t>
+            </a:r>
+            <a:r>
+              <a:rPr lang="en-US" sz="1800" dirty="0" err="1"/>
+              <a:t>kann</a:t>
+            </a:r>
+            <a:r>
+              <a:rPr lang="en-US" sz="1800" dirty="0"/>
+              <a:t> 1 sein, muss </a:t>
+            </a:r>
+            <a:r>
+              <a:rPr lang="en-US" sz="1800" dirty="0" err="1"/>
+              <a:t>aber</a:t>
+            </a:r>
+            <a:r>
+              <a:rPr lang="en-US" sz="1800" dirty="0"/>
+              <a:t> </a:t>
+            </a:r>
+            <a:r>
+              <a:rPr lang="en-US" sz="1800" dirty="0" err="1"/>
+              <a:t>nicht</a:t>
+            </a:r>
             <a:endParaRPr lang="en-US" dirty="0"/>
           </a:p>
         </p:txBody>

--- a/Report/Week 1 ToDo.pptx
+++ b/Report/Week 1 ToDo.pptx
@@ -3474,7 +3474,7 @@
             </a:r>
             <a:r>
               <a:rPr lang="en-US" dirty="0" err="1"/>
-              <a:t>Przmyslav</a:t>
+              <a:t>Przemyslav</a:t>
             </a:r>
             <a:endParaRPr lang="en-US" dirty="0"/>
           </a:p>
